--- a/ДОКУМЕНТЫ/МАТЕРИАЛ СТАТЬИ/Синхронизация кейсы на испанском.pptx
+++ b/ДОКУМЕНТЫ/МАТЕРИАЛ СТАТЬИ/Синхронизация кейсы на испанском.pptx
@@ -242,7 +242,7 @@
           <a:p>
             <a:fld id="{BC4FC01A-EA4D-447D-913B-6E461C068B78}" type="datetimeFigureOut">
               <a:rPr lang="ru-RU" smtClean="0"/>
-              <a:t>16.06.2024</a:t>
+              <a:t>12.07.2025</a:t>
             </a:fld>
             <a:endParaRPr lang="ru-RU"/>
           </a:p>
@@ -2602,7 +2602,7 @@
           <a:p>
             <a:fld id="{1D8BD707-D9CF-40AE-B4C6-C98DA3205C09}" type="datetimeFigureOut">
               <a:rPr lang="en-US" smtClean="0"/>
-              <a:t>6/16/2024</a:t>
+              <a:t>7/12/2025</a:t>
             </a:fld>
             <a:endParaRPr lang="en-US"/>
           </a:p>
@@ -2800,7 +2800,7 @@
           <a:p>
             <a:fld id="{1D8BD707-D9CF-40AE-B4C6-C98DA3205C09}" type="datetimeFigureOut">
               <a:rPr lang="en-US" smtClean="0"/>
-              <a:t>6/16/2024</a:t>
+              <a:t>7/12/2025</a:t>
             </a:fld>
             <a:endParaRPr lang="en-US"/>
           </a:p>
@@ -3008,7 +3008,7 @@
           <a:p>
             <a:fld id="{1D8BD707-D9CF-40AE-B4C6-C98DA3205C09}" type="datetimeFigureOut">
               <a:rPr lang="en-US" smtClean="0"/>
-              <a:t>6/16/2024</a:t>
+              <a:t>7/12/2025</a:t>
             </a:fld>
             <a:endParaRPr lang="en-US"/>
           </a:p>
@@ -3183,7 +3183,7 @@
           <a:p>
             <a:fld id="{1D8BD707-D9CF-40AE-B4C6-C98DA3205C09}" type="datetimeFigureOut">
               <a:rPr lang="en-US"/>
-              <a:t>6/16/2024</a:t>
+              <a:t>7/12/2025</a:t>
             </a:fld>
             <a:endParaRPr lang="en-US"/>
           </a:p>
@@ -3315,7 +3315,7 @@
           <a:p>
             <a:fld id="{1D8BD707-D9CF-40AE-B4C6-C98DA3205C09}" type="datetimeFigureOut">
               <a:rPr lang="en-US"/>
-              <a:t>6/16/2024</a:t>
+              <a:t>7/12/2025</a:t>
             </a:fld>
             <a:endParaRPr lang="en-US"/>
           </a:p>
@@ -4581,7 +4581,7 @@
           <a:p>
             <a:fld id="{1D8BD707-D9CF-40AE-B4C6-C98DA3205C09}" type="datetimeFigureOut">
               <a:rPr lang="en-US" smtClean="0"/>
-              <a:t>6/16/2024</a:t>
+              <a:t>7/12/2025</a:t>
             </a:fld>
             <a:endParaRPr lang="en-US"/>
           </a:p>
@@ -4856,7 +4856,7 @@
           <a:p>
             <a:fld id="{1D8BD707-D9CF-40AE-B4C6-C98DA3205C09}" type="datetimeFigureOut">
               <a:rPr lang="en-US" smtClean="0"/>
-              <a:t>6/16/2024</a:t>
+              <a:t>7/12/2025</a:t>
             </a:fld>
             <a:endParaRPr lang="en-US"/>
           </a:p>
@@ -5121,7 +5121,7 @@
           <a:p>
             <a:fld id="{1D8BD707-D9CF-40AE-B4C6-C98DA3205C09}" type="datetimeFigureOut">
               <a:rPr lang="en-US" smtClean="0"/>
-              <a:t>6/16/2024</a:t>
+              <a:t>7/12/2025</a:t>
             </a:fld>
             <a:endParaRPr lang="en-US"/>
           </a:p>
@@ -5533,7 +5533,7 @@
           <a:p>
             <a:fld id="{1D8BD707-D9CF-40AE-B4C6-C98DA3205C09}" type="datetimeFigureOut">
               <a:rPr lang="en-US" smtClean="0"/>
-              <a:t>6/16/2024</a:t>
+              <a:t>7/12/2025</a:t>
             </a:fld>
             <a:endParaRPr lang="en-US"/>
           </a:p>
@@ -5674,7 +5674,7 @@
           <a:p>
             <a:fld id="{1D8BD707-D9CF-40AE-B4C6-C98DA3205C09}" type="datetimeFigureOut">
               <a:rPr lang="en-US" smtClean="0"/>
-              <a:t>6/16/2024</a:t>
+              <a:t>7/12/2025</a:t>
             </a:fld>
             <a:endParaRPr lang="en-US"/>
           </a:p>
@@ -5787,7 +5787,7 @@
           <a:p>
             <a:fld id="{1D8BD707-D9CF-40AE-B4C6-C98DA3205C09}" type="datetimeFigureOut">
               <a:rPr lang="en-US" smtClean="0"/>
-              <a:t>6/16/2024</a:t>
+              <a:t>7/12/2025</a:t>
             </a:fld>
             <a:endParaRPr lang="en-US"/>
           </a:p>
@@ -6098,7 +6098,7 @@
           <a:p>
             <a:fld id="{1D8BD707-D9CF-40AE-B4C6-C98DA3205C09}" type="datetimeFigureOut">
               <a:rPr lang="en-US" smtClean="0"/>
-              <a:t>6/16/2024</a:t>
+              <a:t>7/12/2025</a:t>
             </a:fld>
             <a:endParaRPr lang="en-US"/>
           </a:p>
@@ -6386,7 +6386,7 @@
           <a:p>
             <a:fld id="{1D8BD707-D9CF-40AE-B4C6-C98DA3205C09}" type="datetimeFigureOut">
               <a:rPr lang="en-US" smtClean="0"/>
-              <a:t>6/16/2024</a:t>
+              <a:t>7/12/2025</a:t>
             </a:fld>
             <a:endParaRPr lang="en-US"/>
           </a:p>
@@ -6627,7 +6627,7 @@
           <a:p>
             <a:fld id="{1D8BD707-D9CF-40AE-B4C6-C98DA3205C09}" type="datetimeFigureOut">
               <a:rPr lang="en-US" smtClean="0"/>
-              <a:t>6/16/2024</a:t>
+              <a:t>7/12/2025</a:t>
             </a:fld>
             <a:endParaRPr lang="en-US"/>
           </a:p>
@@ -7084,42 +7084,6 @@
           <a:ln>
             <a:noFill/>
           </a:ln>
-        </p:spPr>
-      </p:pic>
-      <p:pic>
-        <p:nvPicPr>
-          <p:cNvPr id="10" name="Рисунок 9">
-            <a:extLst>
-              <a:ext uri="{FF2B5EF4-FFF2-40B4-BE49-F238E27FC236}">
-                <a16:creationId xmlns:a16="http://schemas.microsoft.com/office/drawing/2014/main" id="{4056CAD2-4E91-4381-A9C8-2CB695F1F3CC}"/>
-              </a:ext>
-            </a:extLst>
-          </p:cNvPr>
-          <p:cNvPicPr>
-            <a:picLocks noChangeAspect="1"/>
-          </p:cNvPicPr>
-          <p:nvPr/>
-        </p:nvPicPr>
-        <p:blipFill>
-          <a:blip r:embed="rId3">
-            <a:extLst>
-              <a:ext uri="{96DAC541-7B7A-43D3-8B79-37D633B846F1}">
-                <asvg:svgBlip xmlns:asvg="http://schemas.microsoft.com/office/drawing/2016/SVG/main" r:embed="rId4"/>
-              </a:ext>
-            </a:extLst>
-          </a:blip>
-          <a:stretch>
-            <a:fillRect/>
-          </a:stretch>
-        </p:blipFill>
-        <p:spPr>
-          <a:xfrm>
-            <a:off x="419280" y="6180331"/>
-            <a:ext cx="2449426" cy="523541"/>
-          </a:xfrm>
-          <a:prstGeom prst="rect">
-            <a:avLst/>
-          </a:prstGeom>
         </p:spPr>
       </p:pic>
       <p:sp>
